--- a/Race Analyzer.pptx
+++ b/Race Analyzer.pptx
@@ -8,6 +8,7 @@
     <p:sldId id="256" r:id="rId2"/>
     <p:sldId id="257" r:id="rId3"/>
     <p:sldId id="258" r:id="rId4"/>
+    <p:sldId id="259" r:id="rId5"/>
   </p:sldIdLst>
   <p:sldSz cx="12192000" cy="6858000"/>
   <p:notesSz cx="6858000" cy="9144000"/>
@@ -106,6 +107,11 @@
       </a:defRPr>
     </a:lvl9pPr>
   </p:defaultTextStyle>
+  <p:extLst>
+    <p:ext uri="{EFAFB233-063F-42B5-8137-9DF3F51BA10A}">
+      <p15:sldGuideLst xmlns:p15="http://schemas.microsoft.com/office/powerpoint/2012/main"/>
+    </p:ext>
+  </p:extLst>
 </p:presentation>
 </file>
 
@@ -256,7 +262,7 @@
           <a:p>
             <a:fld id="{CB7706F8-C045-4CB2-A324-08CA411FD4A0}" type="datetimeFigureOut">
               <a:rPr lang="en-US" smtClean="0"/>
-              <a:t>10/17/2024</a:t>
+              <a:t>10/19/2024</a:t>
             </a:fld>
             <a:endParaRPr lang="en-US"/>
           </a:p>
@@ -454,7 +460,7 @@
           <a:p>
             <a:fld id="{CB7706F8-C045-4CB2-A324-08CA411FD4A0}" type="datetimeFigureOut">
               <a:rPr lang="en-US" smtClean="0"/>
-              <a:t>10/17/2024</a:t>
+              <a:t>10/19/2024</a:t>
             </a:fld>
             <a:endParaRPr lang="en-US"/>
           </a:p>
@@ -662,7 +668,7 @@
           <a:p>
             <a:fld id="{CB7706F8-C045-4CB2-A324-08CA411FD4A0}" type="datetimeFigureOut">
               <a:rPr lang="en-US" smtClean="0"/>
-              <a:t>10/17/2024</a:t>
+              <a:t>10/19/2024</a:t>
             </a:fld>
             <a:endParaRPr lang="en-US"/>
           </a:p>
@@ -860,7 +866,7 @@
           <a:p>
             <a:fld id="{CB7706F8-C045-4CB2-A324-08CA411FD4A0}" type="datetimeFigureOut">
               <a:rPr lang="en-US" smtClean="0"/>
-              <a:t>10/17/2024</a:t>
+              <a:t>10/19/2024</a:t>
             </a:fld>
             <a:endParaRPr lang="en-US"/>
           </a:p>
@@ -1135,7 +1141,7 @@
           <a:p>
             <a:fld id="{CB7706F8-C045-4CB2-A324-08CA411FD4A0}" type="datetimeFigureOut">
               <a:rPr lang="en-US" smtClean="0"/>
-              <a:t>10/17/2024</a:t>
+              <a:t>10/19/2024</a:t>
             </a:fld>
             <a:endParaRPr lang="en-US"/>
           </a:p>
@@ -1400,7 +1406,7 @@
           <a:p>
             <a:fld id="{CB7706F8-C045-4CB2-A324-08CA411FD4A0}" type="datetimeFigureOut">
               <a:rPr lang="en-US" smtClean="0"/>
-              <a:t>10/17/2024</a:t>
+              <a:t>10/19/2024</a:t>
             </a:fld>
             <a:endParaRPr lang="en-US"/>
           </a:p>
@@ -1812,7 +1818,7 @@
           <a:p>
             <a:fld id="{CB7706F8-C045-4CB2-A324-08CA411FD4A0}" type="datetimeFigureOut">
               <a:rPr lang="en-US" smtClean="0"/>
-              <a:t>10/17/2024</a:t>
+              <a:t>10/19/2024</a:t>
             </a:fld>
             <a:endParaRPr lang="en-US"/>
           </a:p>
@@ -1953,7 +1959,7 @@
           <a:p>
             <a:fld id="{CB7706F8-C045-4CB2-A324-08CA411FD4A0}" type="datetimeFigureOut">
               <a:rPr lang="en-US" smtClean="0"/>
-              <a:t>10/17/2024</a:t>
+              <a:t>10/19/2024</a:t>
             </a:fld>
             <a:endParaRPr lang="en-US"/>
           </a:p>
@@ -2066,7 +2072,7 @@
           <a:p>
             <a:fld id="{CB7706F8-C045-4CB2-A324-08CA411FD4A0}" type="datetimeFigureOut">
               <a:rPr lang="en-US" smtClean="0"/>
-              <a:t>10/17/2024</a:t>
+              <a:t>10/19/2024</a:t>
             </a:fld>
             <a:endParaRPr lang="en-US"/>
           </a:p>
@@ -2377,7 +2383,7 @@
           <a:p>
             <a:fld id="{CB7706F8-C045-4CB2-A324-08CA411FD4A0}" type="datetimeFigureOut">
               <a:rPr lang="en-US" smtClean="0"/>
-              <a:t>10/17/2024</a:t>
+              <a:t>10/19/2024</a:t>
             </a:fld>
             <a:endParaRPr lang="en-US"/>
           </a:p>
@@ -2665,7 +2671,7 @@
           <a:p>
             <a:fld id="{CB7706F8-C045-4CB2-A324-08CA411FD4A0}" type="datetimeFigureOut">
               <a:rPr lang="en-US" smtClean="0"/>
-              <a:t>10/17/2024</a:t>
+              <a:t>10/19/2024</a:t>
             </a:fld>
             <a:endParaRPr lang="en-US"/>
           </a:p>
@@ -2906,7 +2912,7 @@
           <a:p>
             <a:fld id="{CB7706F8-C045-4CB2-A324-08CA411FD4A0}" type="datetimeFigureOut">
               <a:rPr lang="en-US" smtClean="0"/>
-              <a:t>10/17/2024</a:t>
+              <a:t>10/19/2024</a:t>
             </a:fld>
             <a:endParaRPr lang="en-US"/>
           </a:p>
@@ -4089,6 +4095,36 @@
     <p:extLst>
       <p:ext uri="{BB962C8B-B14F-4D97-AF65-F5344CB8AC3E}">
         <p14:creationId xmlns:p14="http://schemas.microsoft.com/office/powerpoint/2010/main" val="3853798533"/>
+      </p:ext>
+    </p:extLst>
+  </p:cSld>
+  <p:clrMapOvr>
+    <a:masterClrMapping/>
+  </p:clrMapOvr>
+</p:sld>
+</file>
+
+<file path=ppt/slides/slide4.xml><?xml version="1.0" encoding="utf-8"?>
+<p:sld xmlns:a="http://schemas.openxmlformats.org/drawingml/2006/main" xmlns:r="http://schemas.openxmlformats.org/officeDocument/2006/relationships" xmlns:p="http://schemas.openxmlformats.org/presentationml/2006/main">
+  <p:cSld>
+    <p:spTree>
+      <p:nvGrpSpPr>
+        <p:cNvPr id="1" name=""/>
+        <p:cNvGrpSpPr/>
+        <p:nvPr/>
+      </p:nvGrpSpPr>
+      <p:grpSpPr>
+        <a:xfrm>
+          <a:off x="0" y="0"/>
+          <a:ext cx="0" cy="0"/>
+          <a:chOff x="0" y="0"/>
+          <a:chExt cx="0" cy="0"/>
+        </a:xfrm>
+      </p:grpSpPr>
+    </p:spTree>
+    <p:extLst>
+      <p:ext uri="{BB962C8B-B14F-4D97-AF65-F5344CB8AC3E}">
+        <p14:creationId xmlns:p14="http://schemas.microsoft.com/office/powerpoint/2010/main" val="2999173626"/>
       </p:ext>
     </p:extLst>
   </p:cSld>
